--- a/PLPTH813Bioinformatis/2025/1_lecture/lecture12_Slurm.pptx
+++ b/PLPTH813Bioinformatis/2025/1_lecture/lecture12_Slurm.pptx
@@ -218,7 +218,7 @@
           <a:p>
             <a:fld id="{8855602D-883D-CC4D-93B3-DEDFCD22325B}" type="datetimeFigureOut">
               <a:rPr lang="en-US" smtClean="0"/>
-              <a:t>3/8/25</a:t>
+              <a:t>3/11/25</a:t>
             </a:fld>
             <a:endParaRPr lang="en-US"/>
           </a:p>
@@ -1192,7 +1192,7 @@
           <a:p>
             <a:fld id="{5C8A62DC-34B9-8C44-926F-1DFCE40A3D12}" type="datetimeFigureOut">
               <a:rPr lang="en-US" smtClean="0"/>
-              <a:t>3/8/25</a:t>
+              <a:t>3/11/25</a:t>
             </a:fld>
             <a:endParaRPr lang="en-US"/>
           </a:p>
@@ -1362,7 +1362,7 @@
           <a:p>
             <a:fld id="{5C8A62DC-34B9-8C44-926F-1DFCE40A3D12}" type="datetimeFigureOut">
               <a:rPr lang="en-US" smtClean="0"/>
-              <a:t>3/8/25</a:t>
+              <a:t>3/11/25</a:t>
             </a:fld>
             <a:endParaRPr lang="en-US"/>
           </a:p>
@@ -1542,7 +1542,7 @@
           <a:p>
             <a:fld id="{5C8A62DC-34B9-8C44-926F-1DFCE40A3D12}" type="datetimeFigureOut">
               <a:rPr lang="en-US" smtClean="0"/>
-              <a:t>3/8/25</a:t>
+              <a:t>3/11/25</a:t>
             </a:fld>
             <a:endParaRPr lang="en-US"/>
           </a:p>
@@ -1712,7 +1712,7 @@
           <a:p>
             <a:fld id="{5C8A62DC-34B9-8C44-926F-1DFCE40A3D12}" type="datetimeFigureOut">
               <a:rPr lang="en-US" smtClean="0"/>
-              <a:t>3/8/25</a:t>
+              <a:t>3/11/25</a:t>
             </a:fld>
             <a:endParaRPr lang="en-US"/>
           </a:p>
@@ -1958,7 +1958,7 @@
           <a:p>
             <a:fld id="{5C8A62DC-34B9-8C44-926F-1DFCE40A3D12}" type="datetimeFigureOut">
               <a:rPr lang="en-US" smtClean="0"/>
-              <a:t>3/8/25</a:t>
+              <a:t>3/11/25</a:t>
             </a:fld>
             <a:endParaRPr lang="en-US"/>
           </a:p>
@@ -2190,7 +2190,7 @@
           <a:p>
             <a:fld id="{5C8A62DC-34B9-8C44-926F-1DFCE40A3D12}" type="datetimeFigureOut">
               <a:rPr lang="en-US" smtClean="0"/>
-              <a:t>3/8/25</a:t>
+              <a:t>3/11/25</a:t>
             </a:fld>
             <a:endParaRPr lang="en-US"/>
           </a:p>
@@ -2557,7 +2557,7 @@
           <a:p>
             <a:fld id="{5C8A62DC-34B9-8C44-926F-1DFCE40A3D12}" type="datetimeFigureOut">
               <a:rPr lang="en-US" smtClean="0"/>
-              <a:t>3/8/25</a:t>
+              <a:t>3/11/25</a:t>
             </a:fld>
             <a:endParaRPr lang="en-US"/>
           </a:p>
@@ -2675,7 +2675,7 @@
           <a:p>
             <a:fld id="{5C8A62DC-34B9-8C44-926F-1DFCE40A3D12}" type="datetimeFigureOut">
               <a:rPr lang="en-US" smtClean="0"/>
-              <a:t>3/8/25</a:t>
+              <a:t>3/11/25</a:t>
             </a:fld>
             <a:endParaRPr lang="en-US"/>
           </a:p>
@@ -2770,7 +2770,7 @@
           <a:p>
             <a:fld id="{5C8A62DC-34B9-8C44-926F-1DFCE40A3D12}" type="datetimeFigureOut">
               <a:rPr lang="en-US" smtClean="0"/>
-              <a:t>3/8/25</a:t>
+              <a:t>3/11/25</a:t>
             </a:fld>
             <a:endParaRPr lang="en-US"/>
           </a:p>
@@ -3047,7 +3047,7 @@
           <a:p>
             <a:fld id="{5C8A62DC-34B9-8C44-926F-1DFCE40A3D12}" type="datetimeFigureOut">
               <a:rPr lang="en-US" smtClean="0"/>
-              <a:t>3/8/25</a:t>
+              <a:t>3/11/25</a:t>
             </a:fld>
             <a:endParaRPr lang="en-US"/>
           </a:p>
@@ -3304,7 +3304,7 @@
           <a:p>
             <a:fld id="{5C8A62DC-34B9-8C44-926F-1DFCE40A3D12}" type="datetimeFigureOut">
               <a:rPr lang="en-US" smtClean="0"/>
-              <a:t>3/8/25</a:t>
+              <a:t>3/11/25</a:t>
             </a:fld>
             <a:endParaRPr lang="en-US"/>
           </a:p>
@@ -3517,7 +3517,7 @@
           <a:p>
             <a:fld id="{5C8A62DC-34B9-8C44-926F-1DFCE40A3D12}" type="datetimeFigureOut">
               <a:rPr lang="en-US" smtClean="0"/>
-              <a:t>3/8/25</a:t>
+              <a:t>3/11/25</a:t>
             </a:fld>
             <a:endParaRPr lang="en-US"/>
           </a:p>
@@ -11497,7 +11497,7 @@
                 <a:latin typeface="Courier New" panose="02070309020205020404" pitchFamily="49" charset="0"/>
                 <a:cs typeface="Courier New" panose="02070309020205020404" pitchFamily="49" charset="0"/>
               </a:rPr>
-              <a:t>#SBATCH --time=1-00:00:00 \</a:t>
+              <a:t>#SBATCH --time=1-00:00:00</a:t>
             </a:r>
           </a:p>
           <a:p>
@@ -11520,7 +11520,7 @@
                 <a:latin typeface="Courier New" panose="02070309020205020404" pitchFamily="49" charset="0"/>
                 <a:cs typeface="Courier New" panose="02070309020205020404" pitchFamily="49" charset="0"/>
               </a:rPr>
-              <a:t>--mem=1G \</a:t>
+              <a:t>--mem=1G</a:t>
             </a:r>
           </a:p>
           <a:p>
